--- a/kansai/figure/TLSF.pptx
+++ b/kansai/figure/TLSF.pptx
@@ -104,6 +104,11 @@
       </a:defRPr>
     </a:lvl9pPr>
   </p:defaultTextStyle>
+  <p:extLst>
+    <p:ext uri="{EFAFB233-063F-42B5-8137-9DF3F51BA10A}">
+      <p15:sldGuideLst xmlns:p15="http://schemas.microsoft.com/office/powerpoint/2012/main"/>
+    </p:ext>
+  </p:extLst>
 </p:presentation>
 </file>
 
@@ -238,7 +243,7 @@
           <a:p>
             <a:fld id="{793083FE-F8B2-4577-9B92-6995EB3820F1}" type="datetimeFigureOut">
               <a:rPr kumimoji="1" lang="ja-JP" altLang="en-US" smtClean="0"/>
-              <a:t>2017/7/11</a:t>
+              <a:t>2017/7/25</a:t>
             </a:fld>
             <a:endParaRPr kumimoji="1" lang="ja-JP" altLang="en-US"/>
           </a:p>
@@ -440,7 +445,7 @@
           <a:p>
             <a:fld id="{793083FE-F8B2-4577-9B92-6995EB3820F1}" type="datetimeFigureOut">
               <a:rPr kumimoji="1" lang="ja-JP" altLang="en-US" smtClean="0"/>
-              <a:t>2017/7/11</a:t>
+              <a:t>2017/7/25</a:t>
             </a:fld>
             <a:endParaRPr kumimoji="1" lang="ja-JP" altLang="en-US"/>
           </a:p>
@@ -652,7 +657,7 @@
           <a:p>
             <a:fld id="{793083FE-F8B2-4577-9B92-6995EB3820F1}" type="datetimeFigureOut">
               <a:rPr kumimoji="1" lang="ja-JP" altLang="en-US" smtClean="0"/>
-              <a:t>2017/7/11</a:t>
+              <a:t>2017/7/25</a:t>
             </a:fld>
             <a:endParaRPr kumimoji="1" lang="ja-JP" altLang="en-US"/>
           </a:p>
@@ -854,7 +859,7 @@
           <a:p>
             <a:fld id="{793083FE-F8B2-4577-9B92-6995EB3820F1}" type="datetimeFigureOut">
               <a:rPr kumimoji="1" lang="ja-JP" altLang="en-US" smtClean="0"/>
-              <a:t>2017/7/11</a:t>
+              <a:t>2017/7/25</a:t>
             </a:fld>
             <a:endParaRPr kumimoji="1" lang="ja-JP" altLang="en-US"/>
           </a:p>
@@ -1100,7 +1105,7 @@
           <a:p>
             <a:fld id="{793083FE-F8B2-4577-9B92-6995EB3820F1}" type="datetimeFigureOut">
               <a:rPr kumimoji="1" lang="ja-JP" altLang="en-US" smtClean="0"/>
-              <a:t>2017/7/11</a:t>
+              <a:t>2017/7/25</a:t>
             </a:fld>
             <a:endParaRPr kumimoji="1" lang="ja-JP" altLang="en-US"/>
           </a:p>
@@ -1396,7 +1401,7 @@
           <a:p>
             <a:fld id="{793083FE-F8B2-4577-9B92-6995EB3820F1}" type="datetimeFigureOut">
               <a:rPr kumimoji="1" lang="ja-JP" altLang="en-US" smtClean="0"/>
-              <a:t>2017/7/11</a:t>
+              <a:t>2017/7/25</a:t>
             </a:fld>
             <a:endParaRPr kumimoji="1" lang="ja-JP" altLang="en-US"/>
           </a:p>
@@ -1827,7 +1832,7 @@
           <a:p>
             <a:fld id="{793083FE-F8B2-4577-9B92-6995EB3820F1}" type="datetimeFigureOut">
               <a:rPr kumimoji="1" lang="ja-JP" altLang="en-US" smtClean="0"/>
-              <a:t>2017/7/11</a:t>
+              <a:t>2017/7/25</a:t>
             </a:fld>
             <a:endParaRPr kumimoji="1" lang="ja-JP" altLang="en-US"/>
           </a:p>
@@ -1945,7 +1950,7 @@
           <a:p>
             <a:fld id="{793083FE-F8B2-4577-9B92-6995EB3820F1}" type="datetimeFigureOut">
               <a:rPr kumimoji="1" lang="ja-JP" altLang="en-US" smtClean="0"/>
-              <a:t>2017/7/11</a:t>
+              <a:t>2017/7/25</a:t>
             </a:fld>
             <a:endParaRPr kumimoji="1" lang="ja-JP" altLang="en-US"/>
           </a:p>
@@ -2040,7 +2045,7 @@
           <a:p>
             <a:fld id="{793083FE-F8B2-4577-9B92-6995EB3820F1}" type="datetimeFigureOut">
               <a:rPr kumimoji="1" lang="ja-JP" altLang="en-US" smtClean="0"/>
-              <a:t>2017/7/11</a:t>
+              <a:t>2017/7/25</a:t>
             </a:fld>
             <a:endParaRPr kumimoji="1" lang="ja-JP" altLang="en-US"/>
           </a:p>
@@ -2349,7 +2354,7 @@
           <a:p>
             <a:fld id="{793083FE-F8B2-4577-9B92-6995EB3820F1}" type="datetimeFigureOut">
               <a:rPr kumimoji="1" lang="ja-JP" altLang="en-US" smtClean="0"/>
-              <a:t>2017/7/11</a:t>
+              <a:t>2017/7/25</a:t>
             </a:fld>
             <a:endParaRPr kumimoji="1" lang="ja-JP" altLang="en-US"/>
           </a:p>
@@ -2602,7 +2607,7 @@
           <a:p>
             <a:fld id="{793083FE-F8B2-4577-9B92-6995EB3820F1}" type="datetimeFigureOut">
               <a:rPr kumimoji="1" lang="ja-JP" altLang="en-US" smtClean="0"/>
-              <a:t>2017/7/11</a:t>
+              <a:t>2017/7/25</a:t>
             </a:fld>
             <a:endParaRPr kumimoji="1" lang="ja-JP" altLang="en-US"/>
           </a:p>
@@ -2847,7 +2852,7 @@
           <a:p>
             <a:fld id="{793083FE-F8B2-4577-9B92-6995EB3820F1}" type="datetimeFigureOut">
               <a:rPr kumimoji="1" lang="ja-JP" altLang="en-US" smtClean="0"/>
-              <a:t>2017/7/11</a:t>
+              <a:t>2017/7/25</a:t>
             </a:fld>
             <a:endParaRPr kumimoji="1" lang="ja-JP" altLang="en-US"/>
           </a:p>
@@ -4181,8 +4186,8 @@
           </a:xfrm>
           <a:prstGeom prst="curvedConnector4">
             <a:avLst>
-              <a:gd name="adj1" fmla="val 34"/>
-              <a:gd name="adj2" fmla="val 184723"/>
+              <a:gd name="adj1" fmla="val 13430"/>
+              <a:gd name="adj2" fmla="val 275412"/>
             </a:avLst>
           </a:prstGeom>
           <a:ln w="25400">
@@ -4225,8 +4230,8 @@
           </a:xfrm>
           <a:prstGeom prst="curvedConnector4">
             <a:avLst>
-              <a:gd name="adj1" fmla="val 19386"/>
-              <a:gd name="adj2" fmla="val 113864"/>
+              <a:gd name="adj1" fmla="val 21343"/>
+              <a:gd name="adj2" fmla="val 114645"/>
             </a:avLst>
           </a:prstGeom>
           <a:ln w="25400">
@@ -5086,11 +5091,11 @@
   <p:clrMapOvr>
     <a:masterClrMapping/>
   </p:clrMapOvr>
-  <mc:AlternateContent xmlns:mc="http://schemas.openxmlformats.org/markup-compatibility/2006">
-    <mc:Choice xmlns:p14="http://schemas.microsoft.com/office/powerpoint/2010/main" Requires="p14">
+  <mc:AlternateContent xmlns:mc="http://schemas.openxmlformats.org/markup-compatibility/2006" xmlns:p14="http://schemas.microsoft.com/office/powerpoint/2010/main">
+    <mc:Choice Requires="p14">
       <p:transition spd="slow" p14:dur="2000"/>
     </mc:Choice>
-    <mc:Fallback>
+    <mc:Fallback xmlns="">
       <p:transition spd="slow"/>
     </mc:Fallback>
   </mc:AlternateContent>
